--- a/S_RWD_Design_102820024李修豪.pptx
+++ b/S_RWD_Design_102820024李修豪.pptx
@@ -107,7 +107,7 @@
   </p:defaultTextStyle>
   <p:extLst>
     <p:ext uri="{EFAFB233-063F-42B5-8137-9DF3F51BA10A}">
-      <p15:sldGuideLst xmlns:p15="http://schemas.microsoft.com/office/powerpoint/2012/main" xmlns="">
+      <p15:sldGuideLst xmlns="" xmlns:p15="http://schemas.microsoft.com/office/powerpoint/2012/main">
         <p15:guide id="1" orient="horz" pos="980" userDrawn="1">
           <p15:clr>
             <a:srgbClr val="A4A3A4"/>
@@ -305,7 +305,7 @@
           <a:p>
             <a:fld id="{1E93ADEE-9172-4C71-AE37-5079FDF9C82C}" type="datetimeFigureOut">
               <a:rPr lang="zh-TW" altLang="en-US" smtClean="0"/>
-              <a:t>2016/5/17</a:t>
+              <a:t>2016/5/23</a:t>
             </a:fld>
             <a:endParaRPr lang="zh-TW" altLang="en-US"/>
           </a:p>
@@ -475,7 +475,7 @@
           <a:p>
             <a:fld id="{1E93ADEE-9172-4C71-AE37-5079FDF9C82C}" type="datetimeFigureOut">
               <a:rPr lang="zh-TW" altLang="en-US" smtClean="0"/>
-              <a:t>2016/5/17</a:t>
+              <a:t>2016/5/23</a:t>
             </a:fld>
             <a:endParaRPr lang="zh-TW" altLang="en-US"/>
           </a:p>
@@ -655,7 +655,7 @@
           <a:p>
             <a:fld id="{1E93ADEE-9172-4C71-AE37-5079FDF9C82C}" type="datetimeFigureOut">
               <a:rPr lang="zh-TW" altLang="en-US" smtClean="0"/>
-              <a:t>2016/5/17</a:t>
+              <a:t>2016/5/23</a:t>
             </a:fld>
             <a:endParaRPr lang="zh-TW" altLang="en-US"/>
           </a:p>
@@ -825,7 +825,7 @@
           <a:p>
             <a:fld id="{1E93ADEE-9172-4C71-AE37-5079FDF9C82C}" type="datetimeFigureOut">
               <a:rPr lang="zh-TW" altLang="en-US" smtClean="0"/>
-              <a:t>2016/5/17</a:t>
+              <a:t>2016/5/23</a:t>
             </a:fld>
             <a:endParaRPr lang="zh-TW" altLang="en-US"/>
           </a:p>
@@ -1071,7 +1071,7 @@
           <a:p>
             <a:fld id="{1E93ADEE-9172-4C71-AE37-5079FDF9C82C}" type="datetimeFigureOut">
               <a:rPr lang="zh-TW" altLang="en-US" smtClean="0"/>
-              <a:t>2016/5/17</a:t>
+              <a:t>2016/5/23</a:t>
             </a:fld>
             <a:endParaRPr lang="zh-TW" altLang="en-US"/>
           </a:p>
@@ -1359,7 +1359,7 @@
           <a:p>
             <a:fld id="{1E93ADEE-9172-4C71-AE37-5079FDF9C82C}" type="datetimeFigureOut">
               <a:rPr lang="zh-TW" altLang="en-US" smtClean="0"/>
-              <a:t>2016/5/17</a:t>
+              <a:t>2016/5/23</a:t>
             </a:fld>
             <a:endParaRPr lang="zh-TW" altLang="en-US"/>
           </a:p>
@@ -1786,7 +1786,7 @@
           <a:p>
             <a:fld id="{1E93ADEE-9172-4C71-AE37-5079FDF9C82C}" type="datetimeFigureOut">
               <a:rPr lang="zh-TW" altLang="en-US" smtClean="0"/>
-              <a:t>2016/5/17</a:t>
+              <a:t>2016/5/23</a:t>
             </a:fld>
             <a:endParaRPr lang="zh-TW" altLang="en-US"/>
           </a:p>
@@ -1904,7 +1904,7 @@
           <a:p>
             <a:fld id="{1E93ADEE-9172-4C71-AE37-5079FDF9C82C}" type="datetimeFigureOut">
               <a:rPr lang="zh-TW" altLang="en-US" smtClean="0"/>
-              <a:t>2016/5/17</a:t>
+              <a:t>2016/5/23</a:t>
             </a:fld>
             <a:endParaRPr lang="zh-TW" altLang="en-US"/>
           </a:p>
@@ -1999,7 +1999,7 @@
           <a:p>
             <a:fld id="{1E93ADEE-9172-4C71-AE37-5079FDF9C82C}" type="datetimeFigureOut">
               <a:rPr lang="zh-TW" altLang="en-US" smtClean="0"/>
-              <a:t>2016/5/17</a:t>
+              <a:t>2016/5/23</a:t>
             </a:fld>
             <a:endParaRPr lang="zh-TW" altLang="en-US"/>
           </a:p>
@@ -2276,7 +2276,7 @@
           <a:p>
             <a:fld id="{1E93ADEE-9172-4C71-AE37-5079FDF9C82C}" type="datetimeFigureOut">
               <a:rPr lang="zh-TW" altLang="en-US" smtClean="0"/>
-              <a:t>2016/5/17</a:t>
+              <a:t>2016/5/23</a:t>
             </a:fld>
             <a:endParaRPr lang="zh-TW" altLang="en-US"/>
           </a:p>
@@ -2529,7 +2529,7 @@
           <a:p>
             <a:fld id="{1E93ADEE-9172-4C71-AE37-5079FDF9C82C}" type="datetimeFigureOut">
               <a:rPr lang="zh-TW" altLang="en-US" smtClean="0"/>
-              <a:t>2016/5/17</a:t>
+              <a:t>2016/5/23</a:t>
             </a:fld>
             <a:endParaRPr lang="zh-TW" altLang="en-US"/>
           </a:p>
@@ -2742,7 +2742,7 @@
           <a:p>
             <a:fld id="{1E93ADEE-9172-4C71-AE37-5079FDF9C82C}" type="datetimeFigureOut">
               <a:rPr lang="zh-TW" altLang="en-US" smtClean="0"/>
-              <a:t>2016/5/17</a:t>
+              <a:t>2016/5/23</a:t>
             </a:fld>
             <a:endParaRPr lang="zh-TW" altLang="en-US"/>
           </a:p>
@@ -4390,7 +4390,7 @@
         </p:nvSpPr>
         <p:spPr>
           <a:xfrm>
-            <a:off x="7924" y="1938937"/>
+            <a:off x="0" y="1942634"/>
             <a:ext cx="3049201" cy="251998"/>
           </a:xfrm>
           <a:prstGeom prst="rect">
